--- a/docs/deck/Lobito_Corridor_Analysis.pptx
+++ b/docs/deck/Lobito_Corridor_Analysis.pptx
@@ -3487,7 +3487,7 @@
         <p:spPr>
           <a:xfrm>
             <a:off x="304800" y="1289745"/>
-            <a:ext cx="5440680" cy="247650"/>
+            <a:ext cx="8534400" cy="247650"/>
           </a:xfrm>
           <a:prstGeom prst="rect">
             <a:avLst/>
@@ -3517,7 +3517,7 @@
                 <a:ea typeface="Arial" pitchFamily="34" charset="-122"/>
                 <a:cs typeface="Arial" pitchFamily="34" charset="-120"/>
               </a:rPr>
-              <a:t>S4 knobs – radii, project sources and density</a:t>
+              <a:t>S4 controls – radii, project sources and density</a:t>
             </a:r>
             <a:endParaRPr lang="en-US" sz="1950" dirty="0"/>
           </a:p>
@@ -4882,7 +4882,7 @@
         <p:spPr>
           <a:xfrm>
             <a:off x="304800" y="846832"/>
-            <a:ext cx="4556570" cy="266700"/>
+            <a:ext cx="8499158" cy="266700"/>
           </a:xfrm>
           <a:prstGeom prst="rect">
             <a:avLst/>
@@ -4912,7 +4912,7 @@
                 <a:ea typeface="Arial" pitchFamily="34" charset="-122"/>
                 <a:cs typeface="Arial" pitchFamily="34" charset="-120"/>
               </a:rPr>
-              <a:t>S5 knobs – OD model assumptions</a:t>
+              <a:t>S5 controls – OD model assumptions</a:t>
             </a:r>
             <a:endParaRPr lang="en-US" sz="2100" dirty="0"/>
           </a:p>
@@ -5673,7 +5673,7 @@
         <p:spPr>
           <a:xfrm>
             <a:off x="304800" y="1309688"/>
-            <a:ext cx="4210050" cy="1123950"/>
+            <a:ext cx="8534400" cy="1123950"/>
           </a:xfrm>
           <a:prstGeom prst="roundRect">
             <a:avLst>
@@ -6026,7 +6026,7 @@
         </p:nvSpPr>
         <p:spPr>
           <a:xfrm>
-            <a:off x="4629150" y="1309688"/>
+            <a:off x="4629150" y="2560191"/>
             <a:ext cx="4210050" cy="1390650"/>
           </a:xfrm>
           <a:prstGeom prst="roundRect">
@@ -6058,7 +6058,7 @@
         </p:nvSpPr>
         <p:spPr>
           <a:xfrm>
-            <a:off x="4648200" y="1309688"/>
+            <a:off x="4648200" y="2560191"/>
             <a:ext cx="0" cy="1390650"/>
           </a:xfrm>
           <a:prstGeom prst="line">
@@ -6088,7 +6088,7 @@
         </p:nvSpPr>
         <p:spPr>
           <a:xfrm>
-            <a:off x="4800600" y="1443038"/>
+            <a:off x="4800600" y="2693541"/>
             <a:ext cx="3983355" cy="171450"/>
           </a:xfrm>
           <a:prstGeom prst="rect">
@@ -6133,7 +6133,7 @@
         </p:nvSpPr>
         <p:spPr>
           <a:xfrm>
-            <a:off x="4800600" y="1690688"/>
+            <a:off x="4800600" y="2941191"/>
             <a:ext cx="3905250" cy="876300"/>
           </a:xfrm>
           <a:prstGeom prst="rect">
@@ -6623,8 +6623,8 @@
         </p:nvSpPr>
         <p:spPr>
           <a:xfrm>
-            <a:off x="419100" y="2414588"/>
-            <a:ext cx="8305800" cy="1600200"/>
+            <a:off x="419100" y="2414587"/>
+            <a:ext cx="8305800" cy="1714499"/>
           </a:xfrm>
           <a:prstGeom prst="rect">
             <a:avLst/>
@@ -6655,7 +6655,7 @@
                 <a:ea typeface="Arial" pitchFamily="34" charset="-122"/>
                 <a:cs typeface="Arial" pitchFamily="34" charset="-120"/>
               </a:rPr>
-              <a:t>Population &amp; cropland:</a:t>
+              <a:t>Population &amp; Environmental variables:</a:t>
             </a:r>
             <a:r>
               <a:rPr lang="en-US" sz="1350" dirty="0">
@@ -6666,7 +6666,7 @@
                 <a:ea typeface="Arial" pitchFamily="34" charset="-122"/>
                 <a:cs typeface="Arial" pitchFamily="34" charset="-120"/>
               </a:rPr>
-              <a:t> gridded population, land-cover-derived cropland</a:t>
+              <a:t> gridded population, urban and rural classification, land-cover-derived cropland, nighttime light.</a:t>
             </a:r>
             <a:endParaRPr lang="en-US" sz="1350" dirty="0"/>
           </a:p>
@@ -6795,7 +6795,7 @@
                 <a:ea typeface="Arial" pitchFamily="34" charset="-122"/>
                 <a:cs typeface="Arial" pitchFamily="34" charset="-120"/>
               </a:rPr>
-              <a:t>Investments &amp; OD:</a:t>
+              <a:t>Investments &amp; Origin-Destination:</a:t>
             </a:r>
             <a:r>
               <a:rPr lang="en-US" sz="1350" dirty="0">
@@ -8541,7 +8541,7 @@
         <p:spPr>
           <a:xfrm>
             <a:off x="304800" y="1400324"/>
-            <a:ext cx="7247763" cy="266700"/>
+            <a:ext cx="8534400" cy="266700"/>
           </a:xfrm>
           <a:prstGeom prst="rect">
             <a:avLst/>
@@ -8571,7 +8571,7 @@
                 <a:ea typeface="Arial" pitchFamily="34" charset="-122"/>
                 <a:cs typeface="Arial" pitchFamily="34" charset="-120"/>
               </a:rPr>
-              <a:t>S1 knobs – what drives clusters and what we can adjust</a:t>
+              <a:t>S1 controls – what drives clusters and what we can adjust</a:t>
             </a:r>
             <a:endParaRPr lang="en-US" sz="2100" dirty="0"/>
           </a:p>
@@ -10112,7 +10112,7 @@
         <p:spPr>
           <a:xfrm>
             <a:off x="304800" y="1209824"/>
-            <a:ext cx="5625275" cy="266700"/>
+            <a:ext cx="8534400" cy="266700"/>
           </a:xfrm>
           <a:prstGeom prst="rect">
             <a:avLst/>
@@ -10142,7 +10142,7 @@
                 <a:ea typeface="Arial" pitchFamily="34" charset="-122"/>
                 <a:cs typeface="Arial" pitchFamily="34" charset="-120"/>
               </a:rPr>
-              <a:t>S2 knobs – composite score and quadrants</a:t>
+              <a:t>S2 controls – composite score and quadrants</a:t>
             </a:r>
             <a:endParaRPr lang="en-US" sz="2100" dirty="0"/>
           </a:p>
@@ -11605,7 +11605,7 @@
         <p:spPr>
           <a:xfrm>
             <a:off x="304800" y="916484"/>
-            <a:ext cx="6402515" cy="247650"/>
+            <a:ext cx="8534400" cy="247650"/>
           </a:xfrm>
           <a:prstGeom prst="rect">
             <a:avLst/>
@@ -11635,7 +11635,7 @@
                 <a:ea typeface="Arial" pitchFamily="34" charset="-122"/>
                 <a:cs typeface="Arial" pitchFamily="34" charset="-120"/>
               </a:rPr>
-              <a:t>S3 knobs – catchment thresholds and site definitions</a:t>
+              <a:t>S3 controls – catchment thresholds and site definitions</a:t>
             </a:r>
             <a:endParaRPr lang="en-US" sz="1950" dirty="0"/>
           </a:p>
